--- a/docs/diagrams/LogicComponentAliasSequenceDiagram.pptx
+++ b/docs/diagrams/LogicComponentAliasSequenceDiagram.pptx
@@ -4052,8 +4052,8 @@
         </p:nvSpPr>
         <p:spPr>
           <a:xfrm>
-            <a:off x="-1" y="2743200"/>
-            <a:ext cx="1500851" cy="215444"/>
+            <a:off x="-129252" y="2743200"/>
+            <a:ext cx="1653252" cy="215444"/>
           </a:xfrm>
           <a:prstGeom prst="rect">
             <a:avLst/>
